--- a/Phase-2/Project_Phase-2_Slides_Mallik.pptx
+++ b/Phase-2/Project_Phase-2_Slides_Mallik.pptx
@@ -5,15 +5,17 @@
     <p:sldMasterId id="2147493455" r:id="rId4"/>
   </p:sldMasterIdLst>
   <p:notesMasterIdLst>
-    <p:notesMasterId r:id="rId8"/>
+    <p:notesMasterId r:id="rId10"/>
   </p:notesMasterIdLst>
   <p:handoutMasterIdLst>
-    <p:handoutMasterId r:id="rId9"/>
+    <p:handoutMasterId r:id="rId11"/>
   </p:handoutMasterIdLst>
   <p:sldIdLst>
     <p:sldId id="319" r:id="rId5"/>
     <p:sldId id="317" r:id="rId6"/>
     <p:sldId id="323" r:id="rId7"/>
+    <p:sldId id="336" r:id="rId8"/>
+    <p:sldId id="337" r:id="rId9"/>
   </p:sldIdLst>
   <p:sldSz cx="9144000" cy="5143500" type="screen16x9"/>
   <p:notesSz cx="6858000" cy="9144000"/>
@@ -227,7 +229,7 @@
           <a:p>
             <a:fld id="{C87859BD-4604-2843-976C-9F2DEE3C79DB}" type="datetimeFigureOut">
               <a:rPr lang="en-US" smtClean="0"/>
-              <a:t>11/23/2019</a:t>
+              <a:t>11/23/19</a:t>
             </a:fld>
             <a:endParaRPr lang="en-US"/>
           </a:p>
@@ -392,7 +394,7 @@
           <a:p>
             <a:fld id="{DE108F45-8DB7-E449-85E4-EC04F96DF3AA}" type="datetimeFigureOut">
               <a:rPr lang="en-US" smtClean="0"/>
-              <a:t>11/23/2019</a:t>
+              <a:t>11/23/19</a:t>
             </a:fld>
             <a:endParaRPr lang="en-US"/>
           </a:p>
@@ -4319,6 +4321,682 @@
     <p:extLst>
       <p:ext uri="{BB962C8B-B14F-4D97-AF65-F5344CB8AC3E}">
         <p14:creationId xmlns:p14="http://schemas.microsoft.com/office/powerpoint/2010/main" val="696429742"/>
+      </p:ext>
+    </p:extLst>
+  </p:cSld>
+  <p:clrMapOvr>
+    <a:masterClrMapping/>
+  </p:clrMapOvr>
+</p:sld>
+</file>
+
+<file path=ppt/slides/slide4.xml><?xml version="1.0" encoding="utf-8"?>
+<p:sld xmlns:a="http://schemas.openxmlformats.org/drawingml/2006/main" xmlns:r="http://schemas.openxmlformats.org/officeDocument/2006/relationships" xmlns:p="http://schemas.openxmlformats.org/presentationml/2006/main">
+  <p:cSld>
+    <p:spTree>
+      <p:nvGrpSpPr>
+        <p:cNvPr id="1" name=""/>
+        <p:cNvGrpSpPr/>
+        <p:nvPr/>
+      </p:nvGrpSpPr>
+      <p:grpSpPr>
+        <a:xfrm>
+          <a:off x="0" y="0"/>
+          <a:ext cx="0" cy="0"/>
+          <a:chOff x="0" y="0"/>
+          <a:chExt cx="0" cy="0"/>
+        </a:xfrm>
+      </p:grpSpPr>
+      <p:sp>
+        <p:nvSpPr>
+          <p:cNvPr id="3" name="Text Placeholder 2"/>
+          <p:cNvSpPr>
+            <a:spLocks noGrp="1"/>
+          </p:cNvSpPr>
+          <p:nvPr>
+            <p:ph type="body" sz="quarter" idx="10"/>
+          </p:nvPr>
+        </p:nvSpPr>
+        <p:spPr/>
+        <p:txBody>
+          <a:bodyPr/>
+          <a:lstStyle/>
+          <a:p>
+            <a:r>
+              <a:rPr lang="en-US" dirty="0"/>
+              <a:t>Model </a:t>
+            </a:r>
+            <a:r>
+              <a:rPr lang="en-US" dirty="0" err="1"/>
+              <a:t>Comparision</a:t>
+            </a:r>
+            <a:endParaRPr lang="en-US" dirty="0"/>
+          </a:p>
+        </p:txBody>
+      </p:sp>
+      <p:sp>
+        <p:nvSpPr>
+          <p:cNvPr id="7" name="Title 1">
+            <a:extLst>
+              <a:ext uri="{FF2B5EF4-FFF2-40B4-BE49-F238E27FC236}">
+                <a16:creationId xmlns:a16="http://schemas.microsoft.com/office/drawing/2014/main" id="{84191E0D-B54B-4243-8622-D522D24CF476}"/>
+              </a:ext>
+            </a:extLst>
+          </p:cNvPr>
+          <p:cNvSpPr>
+            <a:spLocks noGrp="1"/>
+          </p:cNvSpPr>
+          <p:nvPr>
+            <p:ph type="ctrTitle"/>
+          </p:nvPr>
+        </p:nvSpPr>
+        <p:spPr>
+          <a:xfrm>
+            <a:off x="802638" y="655847"/>
+            <a:ext cx="7365818" cy="699065"/>
+          </a:xfrm>
+        </p:spPr>
+        <p:txBody>
+          <a:bodyPr/>
+          <a:lstStyle/>
+          <a:p>
+            <a:r>
+              <a:rPr lang="en-US" sz="2400" dirty="0"/>
+              <a:t>Model </a:t>
+            </a:r>
+            <a:r>
+              <a:rPr lang="en-US" sz="2400" dirty="0" err="1"/>
+              <a:t>Comparision</a:t>
+            </a:r>
+            <a:endParaRPr lang="en-US" sz="2400" dirty="0"/>
+          </a:p>
+        </p:txBody>
+      </p:sp>
+      <p:sp>
+        <p:nvSpPr>
+          <p:cNvPr id="8" name="Content Placeholder 3">
+            <a:extLst>
+              <a:ext uri="{FF2B5EF4-FFF2-40B4-BE49-F238E27FC236}">
+                <a16:creationId xmlns:a16="http://schemas.microsoft.com/office/drawing/2014/main" id="{93203C10-4BCE-8946-BBE4-BA7DE29CF550}"/>
+              </a:ext>
+            </a:extLst>
+          </p:cNvPr>
+          <p:cNvSpPr>
+            <a:spLocks noGrp="1"/>
+          </p:cNvSpPr>
+          <p:nvPr>
+            <p:ph idx="1"/>
+          </p:nvPr>
+        </p:nvSpPr>
+        <p:spPr>
+          <a:xfrm>
+            <a:off x="802638" y="1526181"/>
+            <a:ext cx="7366018" cy="2810633"/>
+          </a:xfrm>
+        </p:spPr>
+        <p:txBody>
+          <a:bodyPr>
+            <a:normAutofit fontScale="85000" lnSpcReduction="20000"/>
+          </a:bodyPr>
+          <a:lstStyle/>
+          <a:p>
+            <a:r>
+              <a:rPr lang="en-US" b="1" dirty="0"/>
+              <a:t>Baseline Model with 150 Important Features - Logistic Regression</a:t>
+            </a:r>
+          </a:p>
+          <a:p>
+            <a:r>
+              <a:rPr lang="en-US" b="1" dirty="0"/>
+              <a:t>Significance test with Random search Hyperparameter tuning</a:t>
+            </a:r>
+          </a:p>
+          <a:p>
+            <a:pPr lvl="1"/>
+            <a:r>
+              <a:rPr lang="en-US" b="1" dirty="0" err="1"/>
+              <a:t>XGBClassifier</a:t>
+            </a:r>
+            <a:endParaRPr lang="en-US" b="1" dirty="0"/>
+          </a:p>
+          <a:p>
+            <a:pPr lvl="1"/>
+            <a:r>
+              <a:rPr lang="en-US" b="1" dirty="0" err="1"/>
+              <a:t>GradientBoostingClassifier</a:t>
+            </a:r>
+            <a:endParaRPr lang="en-US" b="1" dirty="0"/>
+          </a:p>
+          <a:p>
+            <a:pPr lvl="1"/>
+            <a:r>
+              <a:rPr lang="en-US" b="1" dirty="0"/>
+              <a:t>Support Vector</a:t>
+            </a:r>
+          </a:p>
+          <a:p>
+            <a:pPr lvl="1"/>
+            <a:r>
+              <a:rPr lang="en-US" b="1" dirty="0"/>
+              <a:t>Stochastic GD</a:t>
+            </a:r>
+          </a:p>
+          <a:p>
+            <a:pPr lvl="1"/>
+            <a:r>
+              <a:rPr lang="en-US" b="1" dirty="0" err="1"/>
+              <a:t>RandomForest</a:t>
+            </a:r>
+            <a:endParaRPr lang="en-US" dirty="0"/>
+          </a:p>
+        </p:txBody>
+      </p:sp>
+    </p:spTree>
+    <p:extLst>
+      <p:ext uri="{BB962C8B-B14F-4D97-AF65-F5344CB8AC3E}">
+        <p14:creationId xmlns:p14="http://schemas.microsoft.com/office/powerpoint/2010/main" val="28147170"/>
+      </p:ext>
+    </p:extLst>
+  </p:cSld>
+  <p:clrMapOvr>
+    <a:masterClrMapping/>
+  </p:clrMapOvr>
+</p:sld>
+</file>
+
+<file path=ppt/slides/slide5.xml><?xml version="1.0" encoding="utf-8"?>
+<p:sld xmlns:a="http://schemas.openxmlformats.org/drawingml/2006/main" xmlns:r="http://schemas.openxmlformats.org/officeDocument/2006/relationships" xmlns:p="http://schemas.openxmlformats.org/presentationml/2006/main">
+  <p:cSld>
+    <p:spTree>
+      <p:nvGrpSpPr>
+        <p:cNvPr id="1" name=""/>
+        <p:cNvGrpSpPr/>
+        <p:nvPr/>
+      </p:nvGrpSpPr>
+      <p:grpSpPr>
+        <a:xfrm>
+          <a:off x="0" y="0"/>
+          <a:ext cx="0" cy="0"/>
+          <a:chOff x="0" y="0"/>
+          <a:chExt cx="0" cy="0"/>
+        </a:xfrm>
+      </p:grpSpPr>
+      <p:sp>
+        <p:nvSpPr>
+          <p:cNvPr id="18" name="Content Placeholder 3">
+            <a:extLst>
+              <a:ext uri="{FF2B5EF4-FFF2-40B4-BE49-F238E27FC236}">
+                <a16:creationId xmlns:a16="http://schemas.microsoft.com/office/drawing/2014/main" id="{AFE6B4DC-9208-5442-AEB2-31F5E24D1D82}"/>
+              </a:ext>
+            </a:extLst>
+          </p:cNvPr>
+          <p:cNvSpPr txBox="1">
+            <a:spLocks/>
+          </p:cNvSpPr>
+          <p:nvPr/>
+        </p:nvSpPr>
+        <p:spPr>
+          <a:xfrm>
+            <a:off x="903702" y="1121028"/>
+            <a:ext cx="7366018" cy="1233404"/>
+          </a:xfrm>
+          <a:prstGeom prst="rect">
+            <a:avLst/>
+          </a:prstGeom>
+        </p:spPr>
+        <p:txBody>
+          <a:bodyPr vert="horz" lIns="91440" tIns="45720" rIns="91440" bIns="45720" rtlCol="0">
+            <a:normAutofit/>
+          </a:bodyPr>
+          <a:lstStyle>
+            <a:lvl1pPr marL="342900" marR="0" indent="-342900" algn="l" defTabSz="457200" rtl="0" eaLnBrk="1" fontAlgn="auto" latinLnBrk="0" hangingPunct="1">
+              <a:lnSpc>
+                <a:spcPct val="100000"/>
+              </a:lnSpc>
+              <a:spcBef>
+                <a:spcPts val="0"/>
+              </a:spcBef>
+              <a:spcAft>
+                <a:spcPts val="1800"/>
+              </a:spcAft>
+              <a:buClr>
+                <a:schemeClr val="tx1">
+                  <a:lumMod val="50000"/>
+                  <a:lumOff val="50000"/>
+                </a:schemeClr>
+              </a:buClr>
+              <a:buSzPct val="100000"/>
+              <a:buFont typeface="+mj-lt"/>
+              <a:buAutoNum type="arabicPeriod"/>
+              <a:tabLst/>
+              <a:defRPr sz="1800" kern="1200">
+                <a:solidFill>
+                  <a:srgbClr val="404041"/>
+                </a:solidFill>
+                <a:latin typeface="Arial"/>
+                <a:ea typeface="+mn-ea"/>
+                <a:cs typeface="Arial"/>
+              </a:defRPr>
+            </a:lvl1pPr>
+            <a:lvl2pPr marL="742950" indent="-285750" algn="l" defTabSz="457200" rtl="0" eaLnBrk="1" latinLnBrk="0" hangingPunct="1">
+              <a:lnSpc>
+                <a:spcPct val="100000"/>
+              </a:lnSpc>
+              <a:spcBef>
+                <a:spcPts val="0"/>
+              </a:spcBef>
+              <a:spcAft>
+                <a:spcPts val="1800"/>
+              </a:spcAft>
+              <a:buFont typeface="Arial"/>
+              <a:buChar char="–"/>
+              <a:defRPr sz="1600" kern="1200">
+                <a:solidFill>
+                  <a:srgbClr val="404041"/>
+                </a:solidFill>
+                <a:latin typeface="Arial"/>
+                <a:ea typeface="+mn-ea"/>
+                <a:cs typeface="Arial"/>
+              </a:defRPr>
+            </a:lvl2pPr>
+            <a:lvl3pPr marL="1143000" indent="-228600" algn="l" defTabSz="457200" rtl="0" eaLnBrk="1" latinLnBrk="0" hangingPunct="1">
+              <a:lnSpc>
+                <a:spcPct val="100000"/>
+              </a:lnSpc>
+              <a:spcBef>
+                <a:spcPts val="0"/>
+              </a:spcBef>
+              <a:spcAft>
+                <a:spcPts val="1800"/>
+              </a:spcAft>
+              <a:buFont typeface="Arial"/>
+              <a:buChar char="•"/>
+              <a:defRPr sz="1600" kern="1200">
+                <a:solidFill>
+                  <a:srgbClr val="404041"/>
+                </a:solidFill>
+                <a:latin typeface="Arial"/>
+                <a:ea typeface="+mn-ea"/>
+                <a:cs typeface="Arial"/>
+              </a:defRPr>
+            </a:lvl3pPr>
+            <a:lvl4pPr marL="1600200" indent="-228600" algn="l" defTabSz="457200" rtl="0" eaLnBrk="1" latinLnBrk="0" hangingPunct="1">
+              <a:lnSpc>
+                <a:spcPct val="100000"/>
+              </a:lnSpc>
+              <a:spcBef>
+                <a:spcPts val="0"/>
+              </a:spcBef>
+              <a:spcAft>
+                <a:spcPts val="1800"/>
+              </a:spcAft>
+              <a:buFont typeface="Arial"/>
+              <a:buChar char="–"/>
+              <a:defRPr sz="1600" kern="1200">
+                <a:solidFill>
+                  <a:srgbClr val="404041"/>
+                </a:solidFill>
+                <a:latin typeface="Arial"/>
+                <a:ea typeface="+mn-ea"/>
+                <a:cs typeface="Arial"/>
+              </a:defRPr>
+            </a:lvl4pPr>
+            <a:lvl5pPr marL="2057400" indent="-228600" algn="l" defTabSz="457200" rtl="0" eaLnBrk="1" latinLnBrk="0" hangingPunct="1">
+              <a:lnSpc>
+                <a:spcPct val="100000"/>
+              </a:lnSpc>
+              <a:spcBef>
+                <a:spcPts val="0"/>
+              </a:spcBef>
+              <a:spcAft>
+                <a:spcPts val="1800"/>
+              </a:spcAft>
+              <a:buFont typeface="Arial"/>
+              <a:buChar char="»"/>
+              <a:defRPr sz="1600" kern="1200">
+                <a:solidFill>
+                  <a:srgbClr val="404041"/>
+                </a:solidFill>
+                <a:latin typeface="Arial"/>
+                <a:ea typeface="+mn-ea"/>
+                <a:cs typeface="Arial"/>
+              </a:defRPr>
+            </a:lvl5pPr>
+            <a:lvl6pPr marL="2514600" indent="-228600" algn="l" defTabSz="457200" rtl="0" eaLnBrk="1" latinLnBrk="0" hangingPunct="1">
+              <a:spcBef>
+                <a:spcPct val="20000"/>
+              </a:spcBef>
+              <a:buFont typeface="Arial"/>
+              <a:buChar char="•"/>
+              <a:defRPr sz="2000" kern="1200">
+                <a:solidFill>
+                  <a:schemeClr val="tx1"/>
+                </a:solidFill>
+                <a:latin typeface="+mn-lt"/>
+                <a:ea typeface="+mn-ea"/>
+                <a:cs typeface="+mn-cs"/>
+              </a:defRPr>
+            </a:lvl6pPr>
+            <a:lvl7pPr marL="2971800" indent="-228600" algn="l" defTabSz="457200" rtl="0" eaLnBrk="1" latinLnBrk="0" hangingPunct="1">
+              <a:spcBef>
+                <a:spcPct val="20000"/>
+              </a:spcBef>
+              <a:buFont typeface="Arial"/>
+              <a:buChar char="•"/>
+              <a:defRPr sz="2000" kern="1200">
+                <a:solidFill>
+                  <a:schemeClr val="tx1"/>
+                </a:solidFill>
+                <a:latin typeface="+mn-lt"/>
+                <a:ea typeface="+mn-ea"/>
+                <a:cs typeface="+mn-cs"/>
+              </a:defRPr>
+            </a:lvl7pPr>
+            <a:lvl8pPr marL="3429000" indent="-228600" algn="l" defTabSz="457200" rtl="0" eaLnBrk="1" latinLnBrk="0" hangingPunct="1">
+              <a:spcBef>
+                <a:spcPct val="20000"/>
+              </a:spcBef>
+              <a:buFont typeface="Arial"/>
+              <a:buChar char="•"/>
+              <a:defRPr sz="2000" kern="1200">
+                <a:solidFill>
+                  <a:schemeClr val="tx1"/>
+                </a:solidFill>
+                <a:latin typeface="+mn-lt"/>
+                <a:ea typeface="+mn-ea"/>
+                <a:cs typeface="+mn-cs"/>
+              </a:defRPr>
+            </a:lvl8pPr>
+            <a:lvl9pPr marL="3886200" indent="-228600" algn="l" defTabSz="457200" rtl="0" eaLnBrk="1" latinLnBrk="0" hangingPunct="1">
+              <a:spcBef>
+                <a:spcPct val="20000"/>
+              </a:spcBef>
+              <a:buFont typeface="Arial"/>
+              <a:buChar char="•"/>
+              <a:defRPr sz="2000" kern="1200">
+                <a:solidFill>
+                  <a:schemeClr val="tx1"/>
+                </a:solidFill>
+                <a:latin typeface="+mn-lt"/>
+                <a:ea typeface="+mn-ea"/>
+                <a:cs typeface="+mn-cs"/>
+              </a:defRPr>
+            </a:lvl9pPr>
+          </a:lstStyle>
+          <a:p>
+            <a:r>
+              <a:rPr lang="en-US" b="1" dirty="0"/>
+              <a:t>Best Model: </a:t>
+            </a:r>
+            <a:r>
+              <a:rPr lang="en-US" b="1" dirty="0" err="1"/>
+              <a:t>XGBClassifier</a:t>
+            </a:r>
+            <a:endParaRPr lang="en-US" b="1" dirty="0"/>
+          </a:p>
+          <a:p>
+            <a:pPr lvl="1"/>
+            <a:r>
+              <a:rPr lang="en-US" dirty="0"/>
+              <a:t>Best Parameters:</a:t>
+            </a:r>
+          </a:p>
+          <a:p>
+            <a:pPr>
+              <a:buFont typeface="+mj-lt"/>
+              <a:buAutoNum type="arabicPeriod" startAt="3"/>
+            </a:pPr>
+            <a:endParaRPr lang="en-US" sz="1600" dirty="0"/>
+          </a:p>
+        </p:txBody>
+      </p:sp>
+      <p:sp>
+        <p:nvSpPr>
+          <p:cNvPr id="19" name="Rectangle 18">
+            <a:extLst>
+              <a:ext uri="{FF2B5EF4-FFF2-40B4-BE49-F238E27FC236}">
+                <a16:creationId xmlns:a16="http://schemas.microsoft.com/office/drawing/2014/main" id="{95CE8BF8-3613-0B49-B7E2-07E54D2151FB}"/>
+              </a:ext>
+            </a:extLst>
+          </p:cNvPr>
+          <p:cNvSpPr/>
+          <p:nvPr/>
+        </p:nvSpPr>
+        <p:spPr>
+          <a:xfrm>
+            <a:off x="577512" y="2007526"/>
+            <a:ext cx="7507706" cy="923330"/>
+          </a:xfrm>
+          <a:prstGeom prst="rect">
+            <a:avLst/>
+          </a:prstGeom>
+        </p:spPr>
+        <p:txBody>
+          <a:bodyPr wrap="square" numCol="1">
+            <a:spAutoFit/>
+          </a:bodyPr>
+          <a:lstStyle/>
+          <a:p>
+            <a:pPr lvl="2"/>
+            <a:r>
+              <a:rPr lang="en-US" dirty="0" err="1"/>
+              <a:t>colsample_bytree</a:t>
+            </a:r>
+            <a:r>
+              <a:rPr lang="en-US" dirty="0"/>
+              <a:t>: 0.8                           gamma: 1</a:t>
+            </a:r>
+          </a:p>
+          <a:p>
+            <a:pPr lvl="2"/>
+            <a:r>
+              <a:rPr lang="en-US" dirty="0" err="1"/>
+              <a:t>max_depth</a:t>
+            </a:r>
+            <a:r>
+              <a:rPr lang="en-US" dirty="0"/>
+              <a:t>: 4                                          </a:t>
+            </a:r>
+            <a:r>
+              <a:rPr lang="en-US" dirty="0" err="1"/>
+              <a:t>min_child_weight</a:t>
+            </a:r>
+            <a:r>
+              <a:rPr lang="en-US" dirty="0"/>
+              <a:t>: 1</a:t>
+            </a:r>
+          </a:p>
+          <a:p>
+            <a:pPr lvl="2"/>
+            <a:r>
+              <a:rPr lang="en-US" dirty="0"/>
+              <a:t>subsample: 0.6</a:t>
+            </a:r>
+          </a:p>
+        </p:txBody>
+      </p:sp>
+      <p:sp>
+        <p:nvSpPr>
+          <p:cNvPr id="20" name="TextBox 19">
+            <a:extLst>
+              <a:ext uri="{FF2B5EF4-FFF2-40B4-BE49-F238E27FC236}">
+                <a16:creationId xmlns:a16="http://schemas.microsoft.com/office/drawing/2014/main" id="{0FDE0F13-F071-1044-B297-6DAFF4AF8716}"/>
+              </a:ext>
+            </a:extLst>
+          </p:cNvPr>
+          <p:cNvSpPr txBox="1"/>
+          <p:nvPr/>
+        </p:nvSpPr>
+        <p:spPr>
+          <a:xfrm>
+            <a:off x="6268449" y="2562722"/>
+            <a:ext cx="0" cy="0"/>
+          </a:xfrm>
+          <a:prstGeom prst="rect">
+            <a:avLst/>
+          </a:prstGeom>
+        </p:spPr>
+        <p:txBody>
+          <a:bodyPr vert="horz" wrap="none" lIns="91440" tIns="45720" rIns="91440" bIns="45720" rtlCol="0" anchor="ctr">
+            <a:noAutofit/>
+          </a:bodyPr>
+          <a:lstStyle/>
+          <a:p>
+            <a:pPr algn="l"/>
+            <a:endParaRPr lang="en-US" sz="800" b="0" dirty="0">
+              <a:solidFill>
+                <a:schemeClr val="bg1">
+                  <a:lumMod val="75000"/>
+                </a:schemeClr>
+              </a:solidFill>
+            </a:endParaRPr>
+          </a:p>
+        </p:txBody>
+      </p:sp>
+      <p:sp>
+        <p:nvSpPr>
+          <p:cNvPr id="21" name="TextBox 20">
+            <a:extLst>
+              <a:ext uri="{FF2B5EF4-FFF2-40B4-BE49-F238E27FC236}">
+                <a16:creationId xmlns:a16="http://schemas.microsoft.com/office/drawing/2014/main" id="{A5E45264-A0E9-424F-91BA-10FCDEF1F6DA}"/>
+              </a:ext>
+            </a:extLst>
+          </p:cNvPr>
+          <p:cNvSpPr txBox="1"/>
+          <p:nvPr/>
+        </p:nvSpPr>
+        <p:spPr>
+          <a:xfrm>
+            <a:off x="5594680" y="1757800"/>
+            <a:ext cx="2674839" cy="1727054"/>
+          </a:xfrm>
+          <a:prstGeom prst="rect">
+            <a:avLst/>
+          </a:prstGeom>
+        </p:spPr>
+        <p:txBody>
+          <a:bodyPr vert="horz" wrap="none" lIns="91440" tIns="45720" rIns="91440" bIns="45720" rtlCol="0" anchor="t">
+            <a:noAutofit/>
+          </a:bodyPr>
+          <a:lstStyle/>
+          <a:p>
+            <a:endParaRPr lang="en-US" sz="800" b="0" dirty="0">
+              <a:solidFill>
+                <a:schemeClr val="bg1">
+                  <a:lumMod val="75000"/>
+                </a:schemeClr>
+              </a:solidFill>
+            </a:endParaRPr>
+          </a:p>
+        </p:txBody>
+      </p:sp>
+      <p:sp>
+        <p:nvSpPr>
+          <p:cNvPr id="22" name="Rectangle 21">
+            <a:extLst>
+              <a:ext uri="{FF2B5EF4-FFF2-40B4-BE49-F238E27FC236}">
+                <a16:creationId xmlns:a16="http://schemas.microsoft.com/office/drawing/2014/main" id="{3A7EA702-E9F1-284D-8B40-5492FC3921B9}"/>
+              </a:ext>
+            </a:extLst>
+          </p:cNvPr>
+          <p:cNvSpPr/>
+          <p:nvPr/>
+        </p:nvSpPr>
+        <p:spPr>
+          <a:xfrm>
+            <a:off x="1034713" y="3048230"/>
+            <a:ext cx="2876881" cy="923330"/>
+          </a:xfrm>
+          <a:prstGeom prst="rect">
+            <a:avLst/>
+          </a:prstGeom>
+        </p:spPr>
+        <p:txBody>
+          <a:bodyPr wrap="square">
+            <a:spAutoFit/>
+          </a:bodyPr>
+          <a:lstStyle/>
+          <a:p>
+            <a:r>
+              <a:rPr lang="en-US" dirty="0">
+                <a:solidFill>
+                  <a:srgbClr val="404041"/>
+                </a:solidFill>
+                <a:latin typeface="Arial"/>
+                <a:cs typeface="Arial"/>
+              </a:rPr>
+              <a:t>2. </a:t>
+            </a:r>
+            <a:r>
+              <a:rPr lang="en-US" b="1" dirty="0">
+                <a:solidFill>
+                  <a:srgbClr val="404041"/>
+                </a:solidFill>
+                <a:latin typeface="Arial"/>
+                <a:cs typeface="Arial"/>
+              </a:rPr>
+              <a:t>T-test</a:t>
+            </a:r>
+          </a:p>
+          <a:p>
+            <a:r>
+              <a:rPr lang="en-US" b="1" dirty="0"/>
+              <a:t>	train AUC: </a:t>
+            </a:r>
+            <a:r>
+              <a:rPr lang="en-US" dirty="0"/>
+              <a:t>0.7325</a:t>
+            </a:r>
+          </a:p>
+          <a:p>
+            <a:r>
+              <a:rPr lang="en-US" b="1" dirty="0"/>
+              <a:t>	p-value:</a:t>
+            </a:r>
+            <a:r>
+              <a:rPr lang="en-US" dirty="0"/>
+              <a:t> 0.0016</a:t>
+            </a:r>
+          </a:p>
+        </p:txBody>
+      </p:sp>
+      <p:sp>
+        <p:nvSpPr>
+          <p:cNvPr id="25" name="Text Placeholder 2">
+            <a:extLst>
+              <a:ext uri="{FF2B5EF4-FFF2-40B4-BE49-F238E27FC236}">
+                <a16:creationId xmlns:a16="http://schemas.microsoft.com/office/drawing/2014/main" id="{567D76B9-7483-5F4D-A4D3-84CA782B21AB}"/>
+              </a:ext>
+            </a:extLst>
+          </p:cNvPr>
+          <p:cNvSpPr>
+            <a:spLocks noGrp="1"/>
+          </p:cNvSpPr>
+          <p:nvPr>
+            <p:ph type="body" sz="quarter" idx="10"/>
+          </p:nvPr>
+        </p:nvSpPr>
+        <p:spPr/>
+        <p:txBody>
+          <a:bodyPr/>
+          <a:lstStyle/>
+          <a:p>
+            <a:r>
+              <a:rPr lang="en-US" dirty="0"/>
+              <a:t>Model </a:t>
+            </a:r>
+            <a:r>
+              <a:rPr lang="en-US" dirty="0" err="1"/>
+              <a:t>Comparision</a:t>
+            </a:r>
+            <a:endParaRPr lang="en-US" dirty="0"/>
+          </a:p>
+        </p:txBody>
+      </p:sp>
+    </p:spTree>
+    <p:extLst>
+      <p:ext uri="{BB962C8B-B14F-4D97-AF65-F5344CB8AC3E}">
+        <p14:creationId xmlns:p14="http://schemas.microsoft.com/office/powerpoint/2010/main" val="3228025354"/>
       </p:ext>
     </p:extLst>
   </p:cSld>
@@ -5292,6 +5970,24 @@
 </file>
 
 <file path=customXml/item1.xml><?xml version="1.0" encoding="utf-8"?>
+<p:properties xmlns:p="http://schemas.microsoft.com/office/2006/metadata/properties" xmlns:xsi="http://www.w3.org/2001/XMLSchema-instance" xmlns:pc="http://schemas.microsoft.com/office/infopath/2007/PartnerControls">
+  <documentManagement>
+    <_Version xmlns="http://schemas.microsoft.com/sharepoint/v3/fields" xsi:nil="true"/>
+    <_Status xmlns="http://schemas.microsoft.com/sharepoint/v3/fields">Not Started</_Status>
+  </documentManagement>
+</p:properties>
+</file>
+
+<file path=customXml/item2.xml><?xml version="1.0" encoding="utf-8"?>
+<?mso-contentType ?>
+<FormTemplates xmlns="http://schemas.microsoft.com/sharepoint/v3/contenttype/forms">
+  <Display>DocumentLibraryForm</Display>
+  <Edit>DocumentLibraryForm</Edit>
+  <New>DocumentLibraryForm</New>
+</FormTemplates>
+</file>
+
+<file path=customXml/item3.xml><?xml version="1.0" encoding="utf-8"?>
 <ct:contentTypeSchema xmlns:ct="http://schemas.microsoft.com/office/2006/metadata/contentType" xmlns:ma="http://schemas.microsoft.com/office/2006/metadata/properties/metaAttributes" ct:_="" ma:_="" ma:contentTypeName="Document" ma:contentTypeID="0x0101000DE64AEEDD9B7A4D93545ACBE97D4615" ma:contentTypeVersion="2" ma:contentTypeDescription="Create a new document." ma:contentTypeScope="" ma:versionID="f49002b78e3a4a71b814eef46a983816">
   <xsd:schema xmlns:xsd="http://www.w3.org/2001/XMLSchema" xmlns:xs="http://www.w3.org/2001/XMLSchema" xmlns:p="http://schemas.microsoft.com/office/2006/metadata/properties" xmlns:ns2="http://schemas.microsoft.com/sharepoint/v3/fields" targetNamespace="http://schemas.microsoft.com/office/2006/metadata/properties" ma:root="true" ma:fieldsID="38f6db2dd0d9a0cf6a8dc37be32b365b" ns2:_="">
     <xsd:import namespace="http://schemas.microsoft.com/sharepoint/v3/fields"/>
@@ -5435,25 +6131,31 @@
 </ct:contentTypeSchema>
 </file>
 
-<file path=customXml/item2.xml><?xml version="1.0" encoding="utf-8"?>
-<?mso-contentType ?>
-<FormTemplates xmlns="http://schemas.microsoft.com/sharepoint/v3/contenttype/forms">
-  <Display>DocumentLibraryForm</Display>
-  <Edit>DocumentLibraryForm</Edit>
-  <New>DocumentLibraryForm</New>
-</FormTemplates>
+<file path=customXml/itemProps1.xml><?xml version="1.0" encoding="utf-8"?>
+<ds:datastoreItem xmlns:ds="http://schemas.openxmlformats.org/officeDocument/2006/customXml" ds:itemID="{7B6F2769-7194-4217-93D3-3AF3A4742282}">
+  <ds:schemaRefs>
+    <ds:schemaRef ds:uri="http://schemas.microsoft.com/office/infopath/2007/PartnerControls"/>
+    <ds:schemaRef ds:uri="http://purl.org/dc/elements/1.1/"/>
+    <ds:schemaRef ds:uri="http://schemas.microsoft.com/office/2006/metadata/properties"/>
+    <ds:schemaRef ds:uri="http://purl.org/dc/terms/"/>
+    <ds:schemaRef ds:uri="http://schemas.openxmlformats.org/package/2006/metadata/core-properties"/>
+    <ds:schemaRef ds:uri="http://schemas.microsoft.com/office/2006/documentManagement/types"/>
+    <ds:schemaRef ds:uri="http://schemas.microsoft.com/sharepoint/v3/fields"/>
+    <ds:schemaRef ds:uri="http://www.w3.org/XML/1998/namespace"/>
+    <ds:schemaRef ds:uri="http://purl.org/dc/dcmitype/"/>
+  </ds:schemaRefs>
+</ds:datastoreItem>
 </file>
 
-<file path=customXml/item3.xml><?xml version="1.0" encoding="utf-8"?>
-<p:properties xmlns:p="http://schemas.microsoft.com/office/2006/metadata/properties" xmlns:xsi="http://www.w3.org/2001/XMLSchema-instance" xmlns:pc="http://schemas.microsoft.com/office/infopath/2007/PartnerControls">
-  <documentManagement>
-    <_Version xmlns="http://schemas.microsoft.com/sharepoint/v3/fields" xsi:nil="true"/>
-    <_Status xmlns="http://schemas.microsoft.com/sharepoint/v3/fields">Not Started</_Status>
-  </documentManagement>
-</p:properties>
+<file path=customXml/itemProps2.xml><?xml version="1.0" encoding="utf-8"?>
+<ds:datastoreItem xmlns:ds="http://schemas.openxmlformats.org/officeDocument/2006/customXml" ds:itemID="{87D2A1B0-FF3E-4009-940D-AED0EB70AA20}">
+  <ds:schemaRefs>
+    <ds:schemaRef ds:uri="http://schemas.microsoft.com/sharepoint/v3/contenttype/forms"/>
+  </ds:schemaRefs>
+</ds:datastoreItem>
 </file>
 
-<file path=customXml/itemProps1.xml><?xml version="1.0" encoding="utf-8"?>
+<file path=customXml/itemProps3.xml><?xml version="1.0" encoding="utf-8"?>
 <ds:datastoreItem xmlns:ds="http://schemas.openxmlformats.org/officeDocument/2006/customXml" ds:itemID="{E4214858-785C-42F7-BE66-6D0E79395FC8}">
   <ds:schemaRefs>
     <ds:schemaRef ds:uri="http://schemas.microsoft.com/office/2006/metadata/contentType"/>
@@ -5469,28 +6171,4 @@
     <ds:schemaRef ds:uri="http://schemas.microsoft.com/internal/obd"/>
   </ds:schemaRefs>
 </ds:datastoreItem>
-</file>
-
-<file path=customXml/itemProps2.xml><?xml version="1.0" encoding="utf-8"?>
-<ds:datastoreItem xmlns:ds="http://schemas.openxmlformats.org/officeDocument/2006/customXml" ds:itemID="{87D2A1B0-FF3E-4009-940D-AED0EB70AA20}">
-  <ds:schemaRefs>
-    <ds:schemaRef ds:uri="http://schemas.microsoft.com/sharepoint/v3/contenttype/forms"/>
-  </ds:schemaRefs>
-</ds:datastoreItem>
-</file>
-
-<file path=customXml/itemProps3.xml><?xml version="1.0" encoding="utf-8"?>
-<ds:datastoreItem xmlns:ds="http://schemas.openxmlformats.org/officeDocument/2006/customXml" ds:itemID="{7B6F2769-7194-4217-93D3-3AF3A4742282}">
-  <ds:schemaRefs>
-    <ds:schemaRef ds:uri="http://schemas.microsoft.com/office/infopath/2007/PartnerControls"/>
-    <ds:schemaRef ds:uri="http://purl.org/dc/elements/1.1/"/>
-    <ds:schemaRef ds:uri="http://schemas.microsoft.com/office/2006/metadata/properties"/>
-    <ds:schemaRef ds:uri="http://purl.org/dc/terms/"/>
-    <ds:schemaRef ds:uri="http://schemas.openxmlformats.org/package/2006/metadata/core-properties"/>
-    <ds:schemaRef ds:uri="http://schemas.microsoft.com/office/2006/documentManagement/types"/>
-    <ds:schemaRef ds:uri="http://schemas.microsoft.com/sharepoint/v3/fields"/>
-    <ds:schemaRef ds:uri="http://www.w3.org/XML/1998/namespace"/>
-    <ds:schemaRef ds:uri="http://purl.org/dc/dcmitype/"/>
-  </ds:schemaRefs>
-</ds:datastoreItem>
 </file>